--- a/Toy Horse Case.pptx
+++ b/Toy Horse Case.pptx
@@ -2300,7 +2300,7 @@
 <dgm:dataModel xmlns:dgm="http://schemas.openxmlformats.org/drawingml/2006/diagram" xmlns:a="http://schemas.openxmlformats.org/drawingml/2006/main">
   <dgm:ptLst>
     <dgm:pt modelId="{E9A83CF7-121B-4BBA-80D9-C86CAA57CD81}" type="doc">
-      <dgm:prSet loTypeId="urn:microsoft.com/office/officeart/2005/8/layout/list1" loCatId="list" qsTypeId="urn:microsoft.com/office/officeart/2005/8/quickstyle/simple1" qsCatId="simple" csTypeId="urn:microsoft.com/office/officeart/2005/8/colors/accent1_2" csCatId="accent1"/>
+      <dgm:prSet loTypeId="urn:microsoft.com/office/officeart/2005/8/layout/list1" loCatId="list" qsTypeId="urn:microsoft.com/office/officeart/2005/8/quickstyle/simple1" qsCatId="simple" csTypeId="urn:microsoft.com/office/officeart/2005/8/colors/accent1_2" csCatId="accent1" phldr="1"/>
       <dgm:spPr/>
       <dgm:t>
         <a:bodyPr/>
@@ -2318,10 +2318,10 @@
         <a:lstStyle/>
         <a:p>
           <a:r>
-            <a:rPr lang="en-US" b="1"/>
-            <a:t>Key Insights :</a:t>
+            <a:rPr lang="en-US" b="1" dirty="0"/>
+            <a:t>Key Insights:</a:t>
           </a:r>
-          <a:endParaRPr lang="en-US"/>
+          <a:endParaRPr lang="en-US" dirty="0"/>
         </a:p>
       </dgm:t>
     </dgm:pt>
@@ -2499,8 +2499,8 @@
         <a:lstStyle/>
         <a:p>
           <a:r>
-            <a:rPr lang="en-US"/>
-            <a:t>Female kid concern more about price, size, 	style.</a:t>
+            <a:rPr lang="en-US" dirty="0"/>
+            <a:t>Female kid concern more about price, size, style.</a:t>
           </a:r>
         </a:p>
       </dgm:t>
@@ -2571,12 +2571,12 @@
         <a:lstStyle/>
         <a:p>
           <a:r>
-            <a:rPr lang="en-US" b="1" u="heavy">
+            <a:rPr lang="en-US" b="1" u="none" dirty="0">
               <a:uFillTx/>
             </a:rPr>
-            <a:t>Recommendation :</a:t>
+            <a:t>Recommendation:</a:t>
           </a:r>
-          <a:endParaRPr lang="en-US"/>
+          <a:endParaRPr lang="en-US" dirty="0"/>
         </a:p>
       </dgm:t>
     </dgm:pt>
@@ -3327,8 +3327,8 @@
       </dsp:nvSpPr>
       <dsp:spPr>
         <a:xfrm>
-          <a:off x="0" y="501831"/>
-          <a:ext cx="6807048" cy="2910599"/>
+          <a:off x="0" y="634131"/>
+          <a:ext cx="6807048" cy="2646000"/>
         </a:xfrm>
         <a:prstGeom prst="rect">
           <a:avLst/>
@@ -3458,8 +3458,8 @@
             <a:buChar char="•"/>
           </a:pPr>
           <a:r>
-            <a:rPr lang="en-US" sz="2100" kern="1200"/>
-            <a:t>Female kid concern more about price, size, 	style.</a:t>
+            <a:rPr lang="en-US" sz="2100" kern="1200" dirty="0"/>
+            <a:t>Female kid concern more about price, size, style.</a:t>
           </a:r>
         </a:p>
         <a:p>
@@ -3482,8 +3482,8 @@
         </a:p>
       </dsp:txBody>
       <dsp:txXfrm>
-        <a:off x="0" y="501831"/>
-        <a:ext cx="6807048" cy="2910599"/>
+        <a:off x="0" y="634131"/>
+        <a:ext cx="6807048" cy="2646000"/>
       </dsp:txXfrm>
     </dsp:sp>
     <dsp:sp modelId="{8A9F5A42-C296-7A4A-A3E3-B6B1893C9CBD}">
@@ -3493,7 +3493,7 @@
       </dsp:nvSpPr>
       <dsp:spPr>
         <a:xfrm>
-          <a:off x="340352" y="191871"/>
+          <a:off x="340352" y="324171"/>
           <a:ext cx="4764933" cy="619920"/>
         </a:xfrm>
         <a:prstGeom prst="roundRect">
@@ -3553,14 +3553,14 @@
             <a:buNone/>
           </a:pPr>
           <a:r>
-            <a:rPr lang="en-US" sz="2100" b="1" kern="1200"/>
-            <a:t>Key Insights :</a:t>
+            <a:rPr lang="en-US" sz="2100" b="1" kern="1200" dirty="0"/>
+            <a:t>Key Insights:</a:t>
           </a:r>
-          <a:endParaRPr lang="en-US" sz="2100" kern="1200"/>
+          <a:endParaRPr lang="en-US" sz="2100" kern="1200" dirty="0"/>
         </a:p>
       </dsp:txBody>
       <dsp:txXfrm>
-        <a:off x="370614" y="222133"/>
+        <a:off x="370614" y="354433"/>
         <a:ext cx="4704409" cy="559396"/>
       </dsp:txXfrm>
     </dsp:sp>
@@ -3571,7 +3571,7 @@
       </dsp:nvSpPr>
       <dsp:spPr>
         <a:xfrm>
-          <a:off x="0" y="3835791"/>
+          <a:off x="0" y="3703491"/>
           <a:ext cx="6807048" cy="1223775"/>
         </a:xfrm>
         <a:prstGeom prst="rect">
@@ -3654,7 +3654,7 @@
         </a:p>
       </dsp:txBody>
       <dsp:txXfrm>
-        <a:off x="0" y="3835791"/>
+        <a:off x="0" y="3703491"/>
         <a:ext cx="6807048" cy="1223775"/>
       </dsp:txXfrm>
     </dsp:sp>
@@ -3665,7 +3665,7 @@
       </dsp:nvSpPr>
       <dsp:spPr>
         <a:xfrm>
-          <a:off x="340352" y="3525831"/>
+          <a:off x="340352" y="3393531"/>
           <a:ext cx="4764933" cy="619920"/>
         </a:xfrm>
         <a:prstGeom prst="roundRect">
@@ -3725,16 +3725,16 @@
             <a:buNone/>
           </a:pPr>
           <a:r>
-            <a:rPr lang="en-US" sz="2100" b="1" u="heavy" kern="1200">
+            <a:rPr lang="en-US" sz="2100" b="1" u="none" kern="1200" dirty="0">
               <a:uFillTx/>
             </a:rPr>
-            <a:t>Recommendation :</a:t>
+            <a:t>Recommendation:</a:t>
           </a:r>
-          <a:endParaRPr lang="en-US" sz="2100" kern="1200"/>
+          <a:endParaRPr lang="en-US" sz="2100" kern="1200" dirty="0"/>
         </a:p>
       </dsp:txBody>
       <dsp:txXfrm>
-        <a:off x="370614" y="3556093"/>
+        <a:off x="370614" y="3423793"/>
         <a:ext cx="4704409" cy="559396"/>
       </dsp:txXfrm>
     </dsp:sp>
@@ -8081,7 +8081,7 @@
           <a:p>
             <a:fld id="{923D81E7-4CE9-1741-AFFD-D6FDCFF69E2A}" type="datetimeFigureOut">
               <a:rPr lang="en-US" smtClean="0"/>
-              <a:t>4/8/25</a:t>
+              <a:t>4/9/25</a:t>
             </a:fld>
             <a:endParaRPr lang="en-US"/>
           </a:p>
@@ -8657,7 +8657,7 @@
           <a:p>
             <a:fld id="{3D455906-D04F-2041-A34F-E51700775126}" type="datetime1">
               <a:rPr lang="en-US" smtClean="0"/>
-              <a:t>4/8/25</a:t>
+              <a:t>4/9/25</a:t>
             </a:fld>
             <a:endParaRPr lang="en-US"/>
           </a:p>
@@ -8834,7 +8834,7 @@
           <a:p>
             <a:fld id="{BD904013-048E-1942-A753-9CAE45F2AEB6}" type="datetime1">
               <a:rPr lang="en-US" smtClean="0"/>
-              <a:t>4/8/25</a:t>
+              <a:t>4/9/25</a:t>
             </a:fld>
             <a:endParaRPr lang="en-US"/>
           </a:p>
@@ -9048,7 +9048,7 @@
           <a:p>
             <a:fld id="{C6E238DF-8FD1-574B-8D5F-0EFFF5FA5901}" type="datetime1">
               <a:rPr lang="en-US" smtClean="0"/>
-              <a:t>4/8/25</a:t>
+              <a:t>4/9/25</a:t>
             </a:fld>
             <a:endParaRPr lang="en-US"/>
           </a:p>
@@ -9196,7 +9196,7 @@
           <a:p>
             <a:fld id="{F62F6AC4-5499-5647-A3AC-2DE1501F0A05}" type="datetime1">
               <a:rPr lang="en-US" smtClean="0"/>
-              <a:t>4/8/25</a:t>
+              <a:t>4/9/25</a:t>
             </a:fld>
             <a:endParaRPr lang="en-US"/>
           </a:p>
@@ -9567,7 +9567,7 @@
           <a:p>
             <a:fld id="{2629FEB6-B08C-F942-90A0-0D98982F267F}" type="datetime1">
               <a:rPr lang="en-US" smtClean="0"/>
-              <a:t>4/8/25</a:t>
+              <a:t>4/9/25</a:t>
             </a:fld>
             <a:endParaRPr lang="en-US"/>
           </a:p>
@@ -9792,7 +9792,7 @@
           <a:p>
             <a:fld id="{22C680EC-CE7A-D44E-A55B-202664936A28}" type="datetime1">
               <a:rPr lang="en-US" smtClean="0"/>
-              <a:t>4/8/25</a:t>
+              <a:t>4/9/25</a:t>
             </a:fld>
             <a:endParaRPr lang="en-US"/>
           </a:p>
@@ -19446,7 +19446,7 @@
           <p:nvPr>
             <p:extLst>
               <p:ext uri="{D42A27DB-BD31-4B8C-83A1-F6EECF244321}">
-                <p14:modId xmlns:p14="http://schemas.microsoft.com/office/powerpoint/2010/main" val="3352664727"/>
+                <p14:modId xmlns:p14="http://schemas.microsoft.com/office/powerpoint/2010/main" val="3185234092"/>
               </p:ext>
             </p:extLst>
           </p:nvPr>
